--- a/assets/ludoBoardEdit.pptx
+++ b/assets/ludoBoardEdit.pptx
@@ -105,6 +105,11 @@
       </a:defRPr>
     </a:lvl9pPr>
   </p:defaultTextStyle>
+  <p:extLst>
+    <p:ext uri="{EFAFB233-063F-42B5-8137-9DF3F51BA10A}">
+      <p15:sldGuideLst xmlns:p15="http://schemas.microsoft.com/office/powerpoint/2012/main"/>
+    </p:ext>
+  </p:extLst>
 </p:presentation>
 </file>
 
@@ -257,7 +262,7 @@
           <a:p>
             <a:fld id="{9E9A2C3F-692A-4C86-BA4A-B2DDDD1F1902}" type="datetimeFigureOut">
               <a:rPr lang="en-ID" smtClean="0"/>
-              <a:t>13/03/2024</a:t>
+              <a:t>14/03/2024</a:t>
             </a:fld>
             <a:endParaRPr lang="en-ID"/>
           </a:p>
@@ -457,7 +462,7 @@
           <a:p>
             <a:fld id="{9E9A2C3F-692A-4C86-BA4A-B2DDDD1F1902}" type="datetimeFigureOut">
               <a:rPr lang="en-ID" smtClean="0"/>
-              <a:t>13/03/2024</a:t>
+              <a:t>14/03/2024</a:t>
             </a:fld>
             <a:endParaRPr lang="en-ID"/>
           </a:p>
@@ -667,7 +672,7 @@
           <a:p>
             <a:fld id="{9E9A2C3F-692A-4C86-BA4A-B2DDDD1F1902}" type="datetimeFigureOut">
               <a:rPr lang="en-ID" smtClean="0"/>
-              <a:t>13/03/2024</a:t>
+              <a:t>14/03/2024</a:t>
             </a:fld>
             <a:endParaRPr lang="en-ID"/>
           </a:p>
@@ -867,7 +872,7 @@
           <a:p>
             <a:fld id="{9E9A2C3F-692A-4C86-BA4A-B2DDDD1F1902}" type="datetimeFigureOut">
               <a:rPr lang="en-ID" smtClean="0"/>
-              <a:t>13/03/2024</a:t>
+              <a:t>14/03/2024</a:t>
             </a:fld>
             <a:endParaRPr lang="en-ID"/>
           </a:p>
@@ -1143,7 +1148,7 @@
           <a:p>
             <a:fld id="{9E9A2C3F-692A-4C86-BA4A-B2DDDD1F1902}" type="datetimeFigureOut">
               <a:rPr lang="en-ID" smtClean="0"/>
-              <a:t>13/03/2024</a:t>
+              <a:t>14/03/2024</a:t>
             </a:fld>
             <a:endParaRPr lang="en-ID"/>
           </a:p>
@@ -1411,7 +1416,7 @@
           <a:p>
             <a:fld id="{9E9A2C3F-692A-4C86-BA4A-B2DDDD1F1902}" type="datetimeFigureOut">
               <a:rPr lang="en-ID" smtClean="0"/>
-              <a:t>13/03/2024</a:t>
+              <a:t>14/03/2024</a:t>
             </a:fld>
             <a:endParaRPr lang="en-ID"/>
           </a:p>
@@ -1826,7 +1831,7 @@
           <a:p>
             <a:fld id="{9E9A2C3F-692A-4C86-BA4A-B2DDDD1F1902}" type="datetimeFigureOut">
               <a:rPr lang="en-ID" smtClean="0"/>
-              <a:t>13/03/2024</a:t>
+              <a:t>14/03/2024</a:t>
             </a:fld>
             <a:endParaRPr lang="en-ID"/>
           </a:p>
@@ -1968,7 +1973,7 @@
           <a:p>
             <a:fld id="{9E9A2C3F-692A-4C86-BA4A-B2DDDD1F1902}" type="datetimeFigureOut">
               <a:rPr lang="en-ID" smtClean="0"/>
-              <a:t>13/03/2024</a:t>
+              <a:t>14/03/2024</a:t>
             </a:fld>
             <a:endParaRPr lang="en-ID"/>
           </a:p>
@@ -2081,7 +2086,7 @@
           <a:p>
             <a:fld id="{9E9A2C3F-692A-4C86-BA4A-B2DDDD1F1902}" type="datetimeFigureOut">
               <a:rPr lang="en-ID" smtClean="0"/>
-              <a:t>13/03/2024</a:t>
+              <a:t>14/03/2024</a:t>
             </a:fld>
             <a:endParaRPr lang="en-ID"/>
           </a:p>
@@ -2394,7 +2399,7 @@
           <a:p>
             <a:fld id="{9E9A2C3F-692A-4C86-BA4A-B2DDDD1F1902}" type="datetimeFigureOut">
               <a:rPr lang="en-ID" smtClean="0"/>
-              <a:t>13/03/2024</a:t>
+              <a:t>14/03/2024</a:t>
             </a:fld>
             <a:endParaRPr lang="en-ID"/>
           </a:p>
@@ -2683,7 +2688,7 @@
           <a:p>
             <a:fld id="{9E9A2C3F-692A-4C86-BA4A-B2DDDD1F1902}" type="datetimeFigureOut">
               <a:rPr lang="en-ID" smtClean="0"/>
-              <a:t>13/03/2024</a:t>
+              <a:t>14/03/2024</a:t>
             </a:fld>
             <a:endParaRPr lang="en-ID"/>
           </a:p>
@@ -2926,7 +2931,7 @@
           <a:p>
             <a:fld id="{9E9A2C3F-692A-4C86-BA4A-B2DDDD1F1902}" type="datetimeFigureOut">
               <a:rPr lang="en-ID" smtClean="0"/>
-              <a:t>13/03/2024</a:t>
+              <a:t>14/03/2024</a:t>
             </a:fld>
             <a:endParaRPr lang="en-ID"/>
           </a:p>
@@ -3345,10 +3350,10 @@
       </p:grpSpPr>
       <p:grpSp>
         <p:nvGrpSpPr>
-          <p:cNvPr id="38" name="Group 37">
+          <p:cNvPr id="8" name="Group 7">
             <a:extLst>
               <a:ext uri="{FF2B5EF4-FFF2-40B4-BE49-F238E27FC236}">
-                <a16:creationId xmlns:a16="http://schemas.microsoft.com/office/drawing/2014/main" id="{B2D17D8E-E12E-362F-5F89-F8DB44173EC6}"/>
+                <a16:creationId xmlns:a16="http://schemas.microsoft.com/office/drawing/2014/main" id="{B6D83611-071E-108B-BFDA-2213788AE7FC}"/>
               </a:ext>
             </a:extLst>
           </p:cNvPr>
@@ -3357,820 +3362,1024 @@
         </p:nvGrpSpPr>
         <p:grpSpPr>
           <a:xfrm>
-            <a:off x="3029333" y="0"/>
-            <a:ext cx="6793734" cy="6793734"/>
-            <a:chOff x="3029333" y="0"/>
-            <a:chExt cx="6793734" cy="6793734"/>
+            <a:off x="3029332" y="0"/>
+            <a:ext cx="6793735" cy="6793734"/>
+            <a:chOff x="3029332" y="0"/>
+            <a:chExt cx="6793735" cy="6793734"/>
           </a:xfrm>
         </p:grpSpPr>
-        <p:pic>
-          <p:nvPicPr>
-            <p:cNvPr id="5" name="Picture 4" descr="A game with different colored squares&#10;&#10;Description automatically generated">
-              <a:extLst>
-                <a:ext uri="{FF2B5EF4-FFF2-40B4-BE49-F238E27FC236}">
-                  <a16:creationId xmlns:a16="http://schemas.microsoft.com/office/drawing/2014/main" id="{A34C86D6-AF4A-B066-6A1D-92B14A1A171D}"/>
-                </a:ext>
-              </a:extLst>
-            </p:cNvPr>
-            <p:cNvPicPr>
-              <a:picLocks noChangeAspect="1"/>
-            </p:cNvPicPr>
-            <p:nvPr/>
-          </p:nvPicPr>
-          <p:blipFill>
-            <a:blip r:embed="rId2">
-              <a:extLst>
-                <a:ext uri="{28A0092B-C50C-407E-A947-70E740481C1C}">
-                  <a14:useLocalDpi xmlns:a14="http://schemas.microsoft.com/office/drawing/2010/main" val="0"/>
-                </a:ext>
-              </a:extLst>
-            </a:blip>
-            <a:stretch>
-              <a:fillRect/>
-            </a:stretch>
-          </p:blipFill>
-          <p:spPr>
+        <p:grpSp>
+          <p:nvGrpSpPr>
+            <p:cNvPr id="38" name="Group 37">
+              <a:extLst>
+                <a:ext uri="{FF2B5EF4-FFF2-40B4-BE49-F238E27FC236}">
+                  <a16:creationId xmlns:a16="http://schemas.microsoft.com/office/drawing/2014/main" id="{B2D17D8E-E12E-362F-5F89-F8DB44173EC6}"/>
+                </a:ext>
+              </a:extLst>
+            </p:cNvPr>
+            <p:cNvGrpSpPr/>
+            <p:nvPr/>
+          </p:nvGrpSpPr>
+          <p:grpSpPr>
             <a:xfrm>
               <a:off x="3029333" y="0"/>
               <a:ext cx="6793734" cy="6793734"/>
-            </a:xfrm>
-            <a:prstGeom prst="rect">
-              <a:avLst/>
-            </a:prstGeom>
-          </p:spPr>
-        </p:pic>
-        <p:sp>
-          <p:nvSpPr>
-            <p:cNvPr id="6" name="Rectangle 5">
-              <a:extLst>
-                <a:ext uri="{FF2B5EF4-FFF2-40B4-BE49-F238E27FC236}">
-                  <a16:creationId xmlns:a16="http://schemas.microsoft.com/office/drawing/2014/main" id="{238DF9C3-D1BC-504B-CF92-ADA1A3E9FA00}"/>
-                </a:ext>
-              </a:extLst>
-            </p:cNvPr>
-            <p:cNvSpPr/>
-            <p:nvPr/>
-          </p:nvSpPr>
-          <p:spPr>
-            <a:xfrm>
-              <a:off x="3535680" y="496187"/>
-              <a:ext cx="1717040" cy="1706880"/>
-            </a:xfrm>
-            <a:prstGeom prst="rect">
-              <a:avLst/>
-            </a:prstGeom>
-            <a:solidFill>
-              <a:schemeClr val="bg1"/>
-            </a:solidFill>
-            <a:ln>
+              <a:chOff x="3029333" y="0"/>
+              <a:chExt cx="6793734" cy="6793734"/>
+            </a:xfrm>
+          </p:grpSpPr>
+          <p:pic>
+            <p:nvPicPr>
+              <p:cNvPr id="5" name="Picture 4" descr="A game with different colored squares&#10;&#10;Description automatically generated">
+                <a:extLst>
+                  <a:ext uri="{FF2B5EF4-FFF2-40B4-BE49-F238E27FC236}">
+                    <a16:creationId xmlns:a16="http://schemas.microsoft.com/office/drawing/2014/main" id="{A34C86D6-AF4A-B066-6A1D-92B14A1A171D}"/>
+                  </a:ext>
+                </a:extLst>
+              </p:cNvPr>
+              <p:cNvPicPr>
+                <a:picLocks noChangeAspect="1"/>
+              </p:cNvPicPr>
+              <p:nvPr/>
+            </p:nvPicPr>
+            <p:blipFill>
+              <a:blip r:embed="rId2">
+                <a:extLst>
+                  <a:ext uri="{28A0092B-C50C-407E-A947-70E740481C1C}">
+                    <a14:useLocalDpi xmlns:a14="http://schemas.microsoft.com/office/drawing/2010/main" val="0"/>
+                  </a:ext>
+                </a:extLst>
+              </a:blip>
+              <a:stretch>
+                <a:fillRect/>
+              </a:stretch>
+            </p:blipFill>
+            <p:spPr>
+              <a:xfrm>
+                <a:off x="3029333" y="0"/>
+                <a:ext cx="6793734" cy="6793734"/>
+              </a:xfrm>
+              <a:prstGeom prst="rect">
+                <a:avLst/>
+              </a:prstGeom>
+            </p:spPr>
+          </p:pic>
+          <p:sp>
+            <p:nvSpPr>
+              <p:cNvPr id="6" name="Rectangle 5">
+                <a:extLst>
+                  <a:ext uri="{FF2B5EF4-FFF2-40B4-BE49-F238E27FC236}">
+                    <a16:creationId xmlns:a16="http://schemas.microsoft.com/office/drawing/2014/main" id="{238DF9C3-D1BC-504B-CF92-ADA1A3E9FA00}"/>
+                  </a:ext>
+                </a:extLst>
+              </p:cNvPr>
+              <p:cNvSpPr/>
+              <p:nvPr/>
+            </p:nvSpPr>
+            <p:spPr>
+              <a:xfrm>
+                <a:off x="3535680" y="496187"/>
+                <a:ext cx="1717040" cy="1706880"/>
+              </a:xfrm>
+              <a:prstGeom prst="rect">
+                <a:avLst/>
+              </a:prstGeom>
+              <a:solidFill>
+                <a:schemeClr val="bg1"/>
+              </a:solidFill>
+              <a:ln>
+                <a:noFill/>
+              </a:ln>
+            </p:spPr>
+            <p:style>
+              <a:lnRef idx="2">
+                <a:schemeClr val="accent1">
+                  <a:shade val="15000"/>
+                </a:schemeClr>
+              </a:lnRef>
+              <a:fillRef idx="1">
+                <a:schemeClr val="accent1"/>
+              </a:fillRef>
+              <a:effectRef idx="0">
+                <a:schemeClr val="accent1"/>
+              </a:effectRef>
+              <a:fontRef idx="minor">
+                <a:schemeClr val="lt1"/>
+              </a:fontRef>
+            </p:style>
+            <p:txBody>
+              <a:bodyPr rtlCol="0" anchor="ctr"/>
+              <a:lstStyle/>
+              <a:p>
+                <a:pPr algn="ctr"/>
+                <a:endParaRPr lang="en-ID"/>
+              </a:p>
+            </p:txBody>
+          </p:sp>
+          <p:sp>
+            <p:nvSpPr>
+              <p:cNvPr id="16" name="Rectangle 15">
+                <a:extLst>
+                  <a:ext uri="{FF2B5EF4-FFF2-40B4-BE49-F238E27FC236}">
+                    <a16:creationId xmlns:a16="http://schemas.microsoft.com/office/drawing/2014/main" id="{3FBE3CAB-2D99-3D3B-C661-B32F2FD5A80B}"/>
+                  </a:ext>
+                </a:extLst>
+              </p:cNvPr>
+              <p:cNvSpPr/>
+              <p:nvPr/>
+            </p:nvSpPr>
+            <p:spPr>
+              <a:xfrm>
+                <a:off x="3926840" y="902587"/>
+                <a:ext cx="909319" cy="909319"/>
+              </a:xfrm>
+              <a:prstGeom prst="rect">
+                <a:avLst/>
+              </a:prstGeom>
               <a:noFill/>
-            </a:ln>
-          </p:spPr>
-          <p:style>
-            <a:lnRef idx="2">
-              <a:schemeClr val="accent1">
-                <a:shade val="15000"/>
-              </a:schemeClr>
-            </a:lnRef>
-            <a:fillRef idx="1">
-              <a:schemeClr val="accent1"/>
-            </a:fillRef>
-            <a:effectRef idx="0">
-              <a:schemeClr val="accent1"/>
-            </a:effectRef>
-            <a:fontRef idx="minor">
-              <a:schemeClr val="lt1"/>
-            </a:fontRef>
-          </p:style>
-          <p:txBody>
-            <a:bodyPr rtlCol="0" anchor="ctr"/>
-            <a:lstStyle/>
-            <a:p>
-              <a:pPr algn="ctr"/>
-              <a:endParaRPr lang="en-ID"/>
-            </a:p>
-          </p:txBody>
-        </p:sp>
-        <p:sp>
-          <p:nvSpPr>
-            <p:cNvPr id="16" name="Rectangle 15">
-              <a:extLst>
-                <a:ext uri="{FF2B5EF4-FFF2-40B4-BE49-F238E27FC236}">
-                  <a16:creationId xmlns:a16="http://schemas.microsoft.com/office/drawing/2014/main" id="{3FBE3CAB-2D99-3D3B-C661-B32F2FD5A80B}"/>
-                </a:ext>
-              </a:extLst>
-            </p:cNvPr>
-            <p:cNvSpPr/>
-            <p:nvPr/>
-          </p:nvSpPr>
-          <p:spPr>
-            <a:xfrm>
-              <a:off x="3926840" y="902587"/>
-              <a:ext cx="909319" cy="909319"/>
-            </a:xfrm>
-            <a:prstGeom prst="rect">
-              <a:avLst/>
-            </a:prstGeom>
-            <a:noFill/>
-            <a:ln w="38100">
+              <a:ln w="38100">
+                <a:solidFill>
+                  <a:srgbClr val="FD0100"/>
+                </a:solidFill>
+              </a:ln>
+            </p:spPr>
+            <p:style>
+              <a:lnRef idx="2">
+                <a:schemeClr val="accent1">
+                  <a:shade val="15000"/>
+                </a:schemeClr>
+              </a:lnRef>
+              <a:fillRef idx="1">
+                <a:schemeClr val="accent1"/>
+              </a:fillRef>
+              <a:effectRef idx="0">
+                <a:schemeClr val="accent1"/>
+              </a:effectRef>
+              <a:fontRef idx="minor">
+                <a:schemeClr val="lt1"/>
+              </a:fontRef>
+            </p:style>
+            <p:txBody>
+              <a:bodyPr rtlCol="0" anchor="ctr"/>
+              <a:lstStyle/>
+              <a:p>
+                <a:pPr algn="ctr"/>
+                <a:endParaRPr lang="en-ID"/>
+              </a:p>
+            </p:txBody>
+          </p:sp>
+          <p:cxnSp>
+            <p:nvCxnSpPr>
+              <p:cNvPr id="18" name="Straight Connector 17">
+                <a:extLst>
+                  <a:ext uri="{FF2B5EF4-FFF2-40B4-BE49-F238E27FC236}">
+                    <a16:creationId xmlns:a16="http://schemas.microsoft.com/office/drawing/2014/main" id="{7941BBD4-6662-0FFA-CB4C-000F6F7D235C}"/>
+                  </a:ext>
+                </a:extLst>
+              </p:cNvPr>
+              <p:cNvCxnSpPr>
+                <a:stCxn id="16" idx="0"/>
+                <a:endCxn id="16" idx="2"/>
+              </p:cNvCxnSpPr>
+              <p:nvPr/>
+            </p:nvCxnSpPr>
+            <p:spPr>
+              <a:xfrm>
+                <a:off x="4381500" y="902587"/>
+                <a:ext cx="0" cy="909319"/>
+              </a:xfrm>
+              <a:prstGeom prst="line">
+                <a:avLst/>
+              </a:prstGeom>
+              <a:ln w="38100">
+                <a:solidFill>
+                  <a:srgbClr val="FD0100"/>
+                </a:solidFill>
+              </a:ln>
+            </p:spPr>
+            <p:style>
+              <a:lnRef idx="2">
+                <a:schemeClr val="accent1"/>
+              </a:lnRef>
+              <a:fillRef idx="0">
+                <a:schemeClr val="accent1"/>
+              </a:fillRef>
+              <a:effectRef idx="1">
+                <a:schemeClr val="accent1"/>
+              </a:effectRef>
+              <a:fontRef idx="minor">
+                <a:schemeClr val="tx1"/>
+              </a:fontRef>
+            </p:style>
+          </p:cxnSp>
+          <p:cxnSp>
+            <p:nvCxnSpPr>
+              <p:cNvPr id="19" name="Straight Connector 18">
+                <a:extLst>
+                  <a:ext uri="{FF2B5EF4-FFF2-40B4-BE49-F238E27FC236}">
+                    <a16:creationId xmlns:a16="http://schemas.microsoft.com/office/drawing/2014/main" id="{89DE620D-C9CF-FDB7-E30B-B2F4724DCE53}"/>
+                  </a:ext>
+                </a:extLst>
+              </p:cNvPr>
+              <p:cNvCxnSpPr>
+                <a:cxnSpLocks/>
+                <a:stCxn id="16" idx="3"/>
+                <a:endCxn id="16" idx="1"/>
+              </p:cNvCxnSpPr>
+              <p:nvPr/>
+            </p:nvCxnSpPr>
+            <p:spPr>
+              <a:xfrm flipH="1">
+                <a:off x="3926840" y="1357247"/>
+                <a:ext cx="909319" cy="0"/>
+              </a:xfrm>
+              <a:prstGeom prst="line">
+                <a:avLst/>
+              </a:prstGeom>
+              <a:ln w="38100">
+                <a:solidFill>
+                  <a:srgbClr val="FD0100"/>
+                </a:solidFill>
+              </a:ln>
+            </p:spPr>
+            <p:style>
+              <a:lnRef idx="2">
+                <a:schemeClr val="accent1"/>
+              </a:lnRef>
+              <a:fillRef idx="0">
+                <a:schemeClr val="accent1"/>
+              </a:fillRef>
+              <a:effectRef idx="1">
+                <a:schemeClr val="accent1"/>
+              </a:effectRef>
+              <a:fontRef idx="minor">
+                <a:schemeClr val="tx1"/>
+              </a:fontRef>
+            </p:style>
+          </p:cxnSp>
+          <p:sp>
+            <p:nvSpPr>
+              <p:cNvPr id="23" name="Rectangle 22">
+                <a:extLst>
+                  <a:ext uri="{FF2B5EF4-FFF2-40B4-BE49-F238E27FC236}">
+                    <a16:creationId xmlns:a16="http://schemas.microsoft.com/office/drawing/2014/main" id="{2007B170-3659-F02A-158E-80E28DAB9ACE}"/>
+                  </a:ext>
+                </a:extLst>
+              </p:cNvPr>
+              <p:cNvSpPr/>
+              <p:nvPr/>
+            </p:nvSpPr>
+            <p:spPr>
+              <a:xfrm>
+                <a:off x="7599682" y="496187"/>
+                <a:ext cx="1717040" cy="1706880"/>
+              </a:xfrm>
+              <a:prstGeom prst="rect">
+                <a:avLst/>
+              </a:prstGeom>
               <a:solidFill>
-                <a:srgbClr val="FD0100"/>
+                <a:schemeClr val="bg1"/>
               </a:solidFill>
-            </a:ln>
-          </p:spPr>
-          <p:style>
-            <a:lnRef idx="2">
-              <a:schemeClr val="accent1">
-                <a:shade val="15000"/>
-              </a:schemeClr>
-            </a:lnRef>
-            <a:fillRef idx="1">
-              <a:schemeClr val="accent1"/>
-            </a:fillRef>
-            <a:effectRef idx="0">
-              <a:schemeClr val="accent1"/>
-            </a:effectRef>
-            <a:fontRef idx="minor">
-              <a:schemeClr val="lt1"/>
-            </a:fontRef>
-          </p:style>
-          <p:txBody>
-            <a:bodyPr rtlCol="0" anchor="ctr"/>
-            <a:lstStyle/>
-            <a:p>
-              <a:pPr algn="ctr"/>
-              <a:endParaRPr lang="en-ID"/>
-            </a:p>
-          </p:txBody>
-        </p:sp>
-        <p:cxnSp>
-          <p:nvCxnSpPr>
-            <p:cNvPr id="18" name="Straight Connector 17">
-              <a:extLst>
-                <a:ext uri="{FF2B5EF4-FFF2-40B4-BE49-F238E27FC236}">
-                  <a16:creationId xmlns:a16="http://schemas.microsoft.com/office/drawing/2014/main" id="{7941BBD4-6662-0FFA-CB4C-000F6F7D235C}"/>
-                </a:ext>
-              </a:extLst>
-            </p:cNvPr>
-            <p:cNvCxnSpPr>
-              <a:stCxn id="16" idx="0"/>
-              <a:endCxn id="16" idx="2"/>
-            </p:cNvCxnSpPr>
-            <p:nvPr/>
-          </p:nvCxnSpPr>
-          <p:spPr>
-            <a:xfrm>
-              <a:off x="4381500" y="902587"/>
-              <a:ext cx="0" cy="909319"/>
-            </a:xfrm>
-            <a:prstGeom prst="line">
-              <a:avLst/>
-            </a:prstGeom>
-            <a:ln w="38100">
+              <a:ln>
+                <a:noFill/>
+              </a:ln>
+            </p:spPr>
+            <p:style>
+              <a:lnRef idx="2">
+                <a:schemeClr val="accent1">
+                  <a:shade val="15000"/>
+                </a:schemeClr>
+              </a:lnRef>
+              <a:fillRef idx="1">
+                <a:schemeClr val="accent1"/>
+              </a:fillRef>
+              <a:effectRef idx="0">
+                <a:schemeClr val="accent1"/>
+              </a:effectRef>
+              <a:fontRef idx="minor">
+                <a:schemeClr val="lt1"/>
+              </a:fontRef>
+            </p:style>
+            <p:txBody>
+              <a:bodyPr rtlCol="0" anchor="ctr"/>
+              <a:lstStyle/>
+              <a:p>
+                <a:pPr algn="ctr"/>
+                <a:endParaRPr lang="en-ID"/>
+              </a:p>
+            </p:txBody>
+          </p:sp>
+          <p:sp>
+            <p:nvSpPr>
+              <p:cNvPr id="24" name="Rectangle 23">
+                <a:extLst>
+                  <a:ext uri="{FF2B5EF4-FFF2-40B4-BE49-F238E27FC236}">
+                    <a16:creationId xmlns:a16="http://schemas.microsoft.com/office/drawing/2014/main" id="{6ECC78AB-2FB0-FB61-75DE-AADF75058B66}"/>
+                  </a:ext>
+                </a:extLst>
+              </p:cNvPr>
+              <p:cNvSpPr/>
+              <p:nvPr/>
+            </p:nvSpPr>
+            <p:spPr>
+              <a:xfrm>
+                <a:off x="7978142" y="902587"/>
+                <a:ext cx="909319" cy="909319"/>
+              </a:xfrm>
+              <a:prstGeom prst="rect">
+                <a:avLst/>
+              </a:prstGeom>
+              <a:noFill/>
+              <a:ln w="38100">
+                <a:solidFill>
+                  <a:srgbClr val="009A2A"/>
+                </a:solidFill>
+              </a:ln>
+            </p:spPr>
+            <p:style>
+              <a:lnRef idx="2">
+                <a:schemeClr val="accent1">
+                  <a:shade val="15000"/>
+                </a:schemeClr>
+              </a:lnRef>
+              <a:fillRef idx="1">
+                <a:schemeClr val="accent1"/>
+              </a:fillRef>
+              <a:effectRef idx="0">
+                <a:schemeClr val="accent1"/>
+              </a:effectRef>
+              <a:fontRef idx="minor">
+                <a:schemeClr val="lt1"/>
+              </a:fontRef>
+            </p:style>
+            <p:txBody>
+              <a:bodyPr rtlCol="0" anchor="ctr"/>
+              <a:lstStyle/>
+              <a:p>
+                <a:pPr algn="ctr"/>
+                <a:endParaRPr lang="en-ID"/>
+              </a:p>
+            </p:txBody>
+          </p:sp>
+          <p:cxnSp>
+            <p:nvCxnSpPr>
+              <p:cNvPr id="25" name="Straight Connector 24">
+                <a:extLst>
+                  <a:ext uri="{FF2B5EF4-FFF2-40B4-BE49-F238E27FC236}">
+                    <a16:creationId xmlns:a16="http://schemas.microsoft.com/office/drawing/2014/main" id="{C5421698-4E37-D924-AE64-700F10BA3F71}"/>
+                  </a:ext>
+                </a:extLst>
+              </p:cNvPr>
+              <p:cNvCxnSpPr>
+                <a:stCxn id="24" idx="0"/>
+                <a:endCxn id="24" idx="2"/>
+              </p:cNvCxnSpPr>
+              <p:nvPr/>
+            </p:nvCxnSpPr>
+            <p:spPr>
+              <a:xfrm>
+                <a:off x="8432802" y="902587"/>
+                <a:ext cx="0" cy="909319"/>
+              </a:xfrm>
+              <a:prstGeom prst="line">
+                <a:avLst/>
+              </a:prstGeom>
+              <a:ln w="38100">
+                <a:solidFill>
+                  <a:srgbClr val="009A2A"/>
+                </a:solidFill>
+              </a:ln>
+            </p:spPr>
+            <p:style>
+              <a:lnRef idx="2">
+                <a:schemeClr val="accent1"/>
+              </a:lnRef>
+              <a:fillRef idx="0">
+                <a:schemeClr val="accent1"/>
+              </a:fillRef>
+              <a:effectRef idx="1">
+                <a:schemeClr val="accent1"/>
+              </a:effectRef>
+              <a:fontRef idx="minor">
+                <a:schemeClr val="tx1"/>
+              </a:fontRef>
+            </p:style>
+          </p:cxnSp>
+          <p:cxnSp>
+            <p:nvCxnSpPr>
+              <p:cNvPr id="26" name="Straight Connector 25">
+                <a:extLst>
+                  <a:ext uri="{FF2B5EF4-FFF2-40B4-BE49-F238E27FC236}">
+                    <a16:creationId xmlns:a16="http://schemas.microsoft.com/office/drawing/2014/main" id="{9B60BE77-7922-AD7D-4758-0B583A4C08B8}"/>
+                  </a:ext>
+                </a:extLst>
+              </p:cNvPr>
+              <p:cNvCxnSpPr>
+                <a:cxnSpLocks/>
+                <a:stCxn id="24" idx="3"/>
+                <a:endCxn id="24" idx="1"/>
+              </p:cNvCxnSpPr>
+              <p:nvPr/>
+            </p:nvCxnSpPr>
+            <p:spPr>
+              <a:xfrm flipH="1">
+                <a:off x="7978142" y="1357247"/>
+                <a:ext cx="909319" cy="0"/>
+              </a:xfrm>
+              <a:prstGeom prst="line">
+                <a:avLst/>
+              </a:prstGeom>
+              <a:ln w="38100">
+                <a:solidFill>
+                  <a:srgbClr val="009A2A"/>
+                </a:solidFill>
+              </a:ln>
+            </p:spPr>
+            <p:style>
+              <a:lnRef idx="2">
+                <a:schemeClr val="accent1"/>
+              </a:lnRef>
+              <a:fillRef idx="0">
+                <a:schemeClr val="accent1"/>
+              </a:fillRef>
+              <a:effectRef idx="1">
+                <a:schemeClr val="accent1"/>
+              </a:effectRef>
+              <a:fontRef idx="minor">
+                <a:schemeClr val="tx1"/>
+              </a:fontRef>
+            </p:style>
+          </p:cxnSp>
+          <p:sp>
+            <p:nvSpPr>
+              <p:cNvPr id="27" name="Rectangle 26">
+                <a:extLst>
+                  <a:ext uri="{FF2B5EF4-FFF2-40B4-BE49-F238E27FC236}">
+                    <a16:creationId xmlns:a16="http://schemas.microsoft.com/office/drawing/2014/main" id="{5B0A0F09-128D-87AF-45BA-09864C8A9854}"/>
+                  </a:ext>
+                </a:extLst>
+              </p:cNvPr>
+              <p:cNvSpPr/>
+              <p:nvPr/>
+            </p:nvSpPr>
+            <p:spPr>
+              <a:xfrm>
+                <a:off x="3535680" y="4590668"/>
+                <a:ext cx="1717040" cy="1706880"/>
+              </a:xfrm>
+              <a:prstGeom prst="rect">
+                <a:avLst/>
+              </a:prstGeom>
               <a:solidFill>
-                <a:srgbClr val="FD0100"/>
+                <a:schemeClr val="bg1"/>
               </a:solidFill>
-            </a:ln>
-          </p:spPr>
-          <p:style>
-            <a:lnRef idx="2">
-              <a:schemeClr val="accent1"/>
-            </a:lnRef>
-            <a:fillRef idx="0">
-              <a:schemeClr val="accent1"/>
-            </a:fillRef>
-            <a:effectRef idx="1">
-              <a:schemeClr val="accent1"/>
-            </a:effectRef>
-            <a:fontRef idx="minor">
-              <a:schemeClr val="tx1"/>
-            </a:fontRef>
-          </p:style>
-        </p:cxnSp>
-        <p:cxnSp>
-          <p:nvCxnSpPr>
-            <p:cNvPr id="19" name="Straight Connector 18">
-              <a:extLst>
-                <a:ext uri="{FF2B5EF4-FFF2-40B4-BE49-F238E27FC236}">
-                  <a16:creationId xmlns:a16="http://schemas.microsoft.com/office/drawing/2014/main" id="{89DE620D-C9CF-FDB7-E30B-B2F4724DCE53}"/>
-                </a:ext>
-              </a:extLst>
-            </p:cNvPr>
-            <p:cNvCxnSpPr>
-              <a:cxnSpLocks/>
-              <a:stCxn id="16" idx="3"/>
-              <a:endCxn id="16" idx="1"/>
-            </p:cNvCxnSpPr>
-            <p:nvPr/>
-          </p:nvCxnSpPr>
-          <p:spPr>
-            <a:xfrm flipH="1">
-              <a:off x="3926840" y="1357247"/>
-              <a:ext cx="909319" cy="0"/>
-            </a:xfrm>
-            <a:prstGeom prst="line">
-              <a:avLst/>
-            </a:prstGeom>
-            <a:ln w="38100">
+              <a:ln>
+                <a:noFill/>
+              </a:ln>
+            </p:spPr>
+            <p:style>
+              <a:lnRef idx="2">
+                <a:schemeClr val="accent1">
+                  <a:shade val="15000"/>
+                </a:schemeClr>
+              </a:lnRef>
+              <a:fillRef idx="1">
+                <a:schemeClr val="accent1"/>
+              </a:fillRef>
+              <a:effectRef idx="0">
+                <a:schemeClr val="accent1"/>
+              </a:effectRef>
+              <a:fontRef idx="minor">
+                <a:schemeClr val="lt1"/>
+              </a:fontRef>
+            </p:style>
+            <p:txBody>
+              <a:bodyPr rtlCol="0" anchor="ctr"/>
+              <a:lstStyle/>
+              <a:p>
+                <a:pPr algn="ctr"/>
+                <a:endParaRPr lang="en-ID"/>
+              </a:p>
+            </p:txBody>
+          </p:sp>
+          <p:sp>
+            <p:nvSpPr>
+              <p:cNvPr id="28" name="Rectangle 27">
+                <a:extLst>
+                  <a:ext uri="{FF2B5EF4-FFF2-40B4-BE49-F238E27FC236}">
+                    <a16:creationId xmlns:a16="http://schemas.microsoft.com/office/drawing/2014/main" id="{B904D192-2F45-8461-25A3-92BC9A99D6AC}"/>
+                  </a:ext>
+                </a:extLst>
+              </p:cNvPr>
+              <p:cNvSpPr/>
+              <p:nvPr/>
+            </p:nvSpPr>
+            <p:spPr>
+              <a:xfrm>
+                <a:off x="3926840" y="4955493"/>
+                <a:ext cx="909319" cy="909319"/>
+              </a:xfrm>
+              <a:prstGeom prst="rect">
+                <a:avLst/>
+              </a:prstGeom>
+              <a:noFill/>
+              <a:ln w="38100">
+                <a:solidFill>
+                  <a:srgbClr val="00ACFF"/>
+                </a:solidFill>
+              </a:ln>
+            </p:spPr>
+            <p:style>
+              <a:lnRef idx="2">
+                <a:schemeClr val="accent1">
+                  <a:shade val="15000"/>
+                </a:schemeClr>
+              </a:lnRef>
+              <a:fillRef idx="1">
+                <a:schemeClr val="accent1"/>
+              </a:fillRef>
+              <a:effectRef idx="0">
+                <a:schemeClr val="accent1"/>
+              </a:effectRef>
+              <a:fontRef idx="minor">
+                <a:schemeClr val="lt1"/>
+              </a:fontRef>
+            </p:style>
+            <p:txBody>
+              <a:bodyPr rtlCol="0" anchor="ctr"/>
+              <a:lstStyle/>
+              <a:p>
+                <a:pPr algn="ctr"/>
+                <a:endParaRPr lang="en-ID"/>
+              </a:p>
+            </p:txBody>
+          </p:sp>
+          <p:cxnSp>
+            <p:nvCxnSpPr>
+              <p:cNvPr id="29" name="Straight Connector 28">
+                <a:extLst>
+                  <a:ext uri="{FF2B5EF4-FFF2-40B4-BE49-F238E27FC236}">
+                    <a16:creationId xmlns:a16="http://schemas.microsoft.com/office/drawing/2014/main" id="{51DD55B7-AD5C-8EA8-8BD2-8F90EE2E0F54}"/>
+                  </a:ext>
+                </a:extLst>
+              </p:cNvPr>
+              <p:cNvCxnSpPr>
+                <a:stCxn id="28" idx="0"/>
+                <a:endCxn id="28" idx="2"/>
+              </p:cNvCxnSpPr>
+              <p:nvPr/>
+            </p:nvCxnSpPr>
+            <p:spPr>
+              <a:xfrm>
+                <a:off x="4381500" y="4955493"/>
+                <a:ext cx="0" cy="909319"/>
+              </a:xfrm>
+              <a:prstGeom prst="line">
+                <a:avLst/>
+              </a:prstGeom>
+              <a:ln w="38100">
+                <a:solidFill>
+                  <a:srgbClr val="00ACFF"/>
+                </a:solidFill>
+              </a:ln>
+            </p:spPr>
+            <p:style>
+              <a:lnRef idx="2">
+                <a:schemeClr val="accent1"/>
+              </a:lnRef>
+              <a:fillRef idx="0">
+                <a:schemeClr val="accent1"/>
+              </a:fillRef>
+              <a:effectRef idx="1">
+                <a:schemeClr val="accent1"/>
+              </a:effectRef>
+              <a:fontRef idx="minor">
+                <a:schemeClr val="tx1"/>
+              </a:fontRef>
+            </p:style>
+          </p:cxnSp>
+          <p:cxnSp>
+            <p:nvCxnSpPr>
+              <p:cNvPr id="30" name="Straight Connector 29">
+                <a:extLst>
+                  <a:ext uri="{FF2B5EF4-FFF2-40B4-BE49-F238E27FC236}">
+                    <a16:creationId xmlns:a16="http://schemas.microsoft.com/office/drawing/2014/main" id="{2A19DFBA-6C0D-8F18-3F9A-9F35A5EC4AC3}"/>
+                  </a:ext>
+                </a:extLst>
+              </p:cNvPr>
+              <p:cNvCxnSpPr>
+                <a:cxnSpLocks/>
+                <a:stCxn id="28" idx="3"/>
+                <a:endCxn id="28" idx="1"/>
+              </p:cNvCxnSpPr>
+              <p:nvPr/>
+            </p:nvCxnSpPr>
+            <p:spPr>
+              <a:xfrm flipH="1">
+                <a:off x="3926840" y="5410153"/>
+                <a:ext cx="909319" cy="0"/>
+              </a:xfrm>
+              <a:prstGeom prst="line">
+                <a:avLst/>
+              </a:prstGeom>
+              <a:ln w="38100">
+                <a:solidFill>
+                  <a:srgbClr val="00ACFF"/>
+                </a:solidFill>
+              </a:ln>
+            </p:spPr>
+            <p:style>
+              <a:lnRef idx="2">
+                <a:schemeClr val="accent1"/>
+              </a:lnRef>
+              <a:fillRef idx="0">
+                <a:schemeClr val="accent1"/>
+              </a:fillRef>
+              <a:effectRef idx="1">
+                <a:schemeClr val="accent1"/>
+              </a:effectRef>
+              <a:fontRef idx="minor">
+                <a:schemeClr val="tx1"/>
+              </a:fontRef>
+            </p:style>
+          </p:cxnSp>
+          <p:sp>
+            <p:nvSpPr>
+              <p:cNvPr id="31" name="Rectangle 30">
+                <a:extLst>
+                  <a:ext uri="{FF2B5EF4-FFF2-40B4-BE49-F238E27FC236}">
+                    <a16:creationId xmlns:a16="http://schemas.microsoft.com/office/drawing/2014/main" id="{D965C956-4017-8F25-A145-CBC592811D26}"/>
+                  </a:ext>
+                </a:extLst>
+              </p:cNvPr>
+              <p:cNvSpPr/>
+              <p:nvPr/>
+            </p:nvSpPr>
+            <p:spPr>
+              <a:xfrm>
+                <a:off x="7599682" y="4590668"/>
+                <a:ext cx="1717040" cy="1706880"/>
+              </a:xfrm>
+              <a:prstGeom prst="rect">
+                <a:avLst/>
+              </a:prstGeom>
               <a:solidFill>
-                <a:srgbClr val="FD0100"/>
+                <a:schemeClr val="bg1"/>
               </a:solidFill>
-            </a:ln>
-          </p:spPr>
-          <p:style>
-            <a:lnRef idx="2">
-              <a:schemeClr val="accent1"/>
-            </a:lnRef>
-            <a:fillRef idx="0">
-              <a:schemeClr val="accent1"/>
-            </a:fillRef>
-            <a:effectRef idx="1">
-              <a:schemeClr val="accent1"/>
-            </a:effectRef>
-            <a:fontRef idx="minor">
-              <a:schemeClr val="tx1"/>
-            </a:fontRef>
-          </p:style>
-        </p:cxnSp>
-        <p:sp>
-          <p:nvSpPr>
-            <p:cNvPr id="23" name="Rectangle 22">
-              <a:extLst>
-                <a:ext uri="{FF2B5EF4-FFF2-40B4-BE49-F238E27FC236}">
-                  <a16:creationId xmlns:a16="http://schemas.microsoft.com/office/drawing/2014/main" id="{2007B170-3659-F02A-158E-80E28DAB9ACE}"/>
-                </a:ext>
-              </a:extLst>
-            </p:cNvPr>
-            <p:cNvSpPr/>
-            <p:nvPr/>
-          </p:nvSpPr>
-          <p:spPr>
-            <a:xfrm>
-              <a:off x="7599682" y="496187"/>
-              <a:ext cx="1717040" cy="1706880"/>
-            </a:xfrm>
-            <a:prstGeom prst="rect">
-              <a:avLst/>
-            </a:prstGeom>
-            <a:solidFill>
-              <a:schemeClr val="bg1"/>
-            </a:solidFill>
-            <a:ln>
+              <a:ln>
+                <a:noFill/>
+              </a:ln>
+            </p:spPr>
+            <p:style>
+              <a:lnRef idx="2">
+                <a:schemeClr val="accent1">
+                  <a:shade val="15000"/>
+                </a:schemeClr>
+              </a:lnRef>
+              <a:fillRef idx="1">
+                <a:schemeClr val="accent1"/>
+              </a:fillRef>
+              <a:effectRef idx="0">
+                <a:schemeClr val="accent1"/>
+              </a:effectRef>
+              <a:fontRef idx="minor">
+                <a:schemeClr val="lt1"/>
+              </a:fontRef>
+            </p:style>
+            <p:txBody>
+              <a:bodyPr rtlCol="0" anchor="ctr"/>
+              <a:lstStyle/>
+              <a:p>
+                <a:pPr algn="ctr"/>
+                <a:endParaRPr lang="en-ID"/>
+              </a:p>
+            </p:txBody>
+          </p:sp>
+          <p:sp>
+            <p:nvSpPr>
+              <p:cNvPr id="32" name="Rectangle 31">
+                <a:extLst>
+                  <a:ext uri="{FF2B5EF4-FFF2-40B4-BE49-F238E27FC236}">
+                    <a16:creationId xmlns:a16="http://schemas.microsoft.com/office/drawing/2014/main" id="{85C43103-5C29-E2D5-C481-52880AD8A658}"/>
+                  </a:ext>
+                </a:extLst>
+              </p:cNvPr>
+              <p:cNvSpPr/>
+              <p:nvPr/>
+            </p:nvSpPr>
+            <p:spPr>
+              <a:xfrm>
+                <a:off x="7978142" y="4955493"/>
+                <a:ext cx="909319" cy="909319"/>
+              </a:xfrm>
+              <a:prstGeom prst="rect">
+                <a:avLst/>
+              </a:prstGeom>
               <a:noFill/>
-            </a:ln>
-          </p:spPr>
-          <p:style>
-            <a:lnRef idx="2">
-              <a:schemeClr val="accent1">
-                <a:shade val="15000"/>
-              </a:schemeClr>
-            </a:lnRef>
-            <a:fillRef idx="1">
-              <a:schemeClr val="accent1"/>
-            </a:fillRef>
-            <a:effectRef idx="0">
-              <a:schemeClr val="accent1"/>
-            </a:effectRef>
-            <a:fontRef idx="minor">
-              <a:schemeClr val="lt1"/>
-            </a:fontRef>
-          </p:style>
-          <p:txBody>
-            <a:bodyPr rtlCol="0" anchor="ctr"/>
-            <a:lstStyle/>
-            <a:p>
-              <a:pPr algn="ctr"/>
-              <a:endParaRPr lang="en-ID"/>
-            </a:p>
-          </p:txBody>
-        </p:sp>
-        <p:sp>
-          <p:nvSpPr>
-            <p:cNvPr id="24" name="Rectangle 23">
-              <a:extLst>
-                <a:ext uri="{FF2B5EF4-FFF2-40B4-BE49-F238E27FC236}">
-                  <a16:creationId xmlns:a16="http://schemas.microsoft.com/office/drawing/2014/main" id="{6ECC78AB-2FB0-FB61-75DE-AADF75058B66}"/>
-                </a:ext>
-              </a:extLst>
-            </p:cNvPr>
-            <p:cNvSpPr/>
-            <p:nvPr/>
-          </p:nvSpPr>
-          <p:spPr>
-            <a:xfrm>
-              <a:off x="7978142" y="902587"/>
-              <a:ext cx="909319" cy="909319"/>
-            </a:xfrm>
-            <a:prstGeom prst="rect">
-              <a:avLst/>
-            </a:prstGeom>
-            <a:noFill/>
-            <a:ln w="38100">
-              <a:solidFill>
-                <a:srgbClr val="009A2A"/>
-              </a:solidFill>
-            </a:ln>
-          </p:spPr>
-          <p:style>
-            <a:lnRef idx="2">
-              <a:schemeClr val="accent1">
-                <a:shade val="15000"/>
-              </a:schemeClr>
-            </a:lnRef>
-            <a:fillRef idx="1">
-              <a:schemeClr val="accent1"/>
-            </a:fillRef>
-            <a:effectRef idx="0">
-              <a:schemeClr val="accent1"/>
-            </a:effectRef>
-            <a:fontRef idx="minor">
-              <a:schemeClr val="lt1"/>
-            </a:fontRef>
-          </p:style>
-          <p:txBody>
-            <a:bodyPr rtlCol="0" anchor="ctr"/>
-            <a:lstStyle/>
-            <a:p>
-              <a:pPr algn="ctr"/>
-              <a:endParaRPr lang="en-ID"/>
-            </a:p>
-          </p:txBody>
-        </p:sp>
-        <p:cxnSp>
-          <p:nvCxnSpPr>
-            <p:cNvPr id="25" name="Straight Connector 24">
-              <a:extLst>
-                <a:ext uri="{FF2B5EF4-FFF2-40B4-BE49-F238E27FC236}">
-                  <a16:creationId xmlns:a16="http://schemas.microsoft.com/office/drawing/2014/main" id="{C5421698-4E37-D924-AE64-700F10BA3F71}"/>
-                </a:ext>
-              </a:extLst>
-            </p:cNvPr>
-            <p:cNvCxnSpPr>
-              <a:stCxn id="24" idx="0"/>
-              <a:endCxn id="24" idx="2"/>
-            </p:cNvCxnSpPr>
-            <p:nvPr/>
-          </p:nvCxnSpPr>
-          <p:spPr>
-            <a:xfrm>
-              <a:off x="8432802" y="902587"/>
-              <a:ext cx="0" cy="909319"/>
-            </a:xfrm>
-            <a:prstGeom prst="line">
-              <a:avLst/>
-            </a:prstGeom>
-            <a:ln w="38100">
-              <a:solidFill>
-                <a:srgbClr val="009A2A"/>
-              </a:solidFill>
-            </a:ln>
-          </p:spPr>
-          <p:style>
-            <a:lnRef idx="2">
-              <a:schemeClr val="accent1"/>
-            </a:lnRef>
-            <a:fillRef idx="0">
-              <a:schemeClr val="accent1"/>
-            </a:fillRef>
-            <a:effectRef idx="1">
-              <a:schemeClr val="accent1"/>
-            </a:effectRef>
-            <a:fontRef idx="minor">
-              <a:schemeClr val="tx1"/>
-            </a:fontRef>
-          </p:style>
-        </p:cxnSp>
-        <p:cxnSp>
-          <p:nvCxnSpPr>
-            <p:cNvPr id="26" name="Straight Connector 25">
-              <a:extLst>
-                <a:ext uri="{FF2B5EF4-FFF2-40B4-BE49-F238E27FC236}">
-                  <a16:creationId xmlns:a16="http://schemas.microsoft.com/office/drawing/2014/main" id="{9B60BE77-7922-AD7D-4758-0B583A4C08B8}"/>
-                </a:ext>
-              </a:extLst>
-            </p:cNvPr>
-            <p:cNvCxnSpPr>
-              <a:cxnSpLocks/>
-              <a:stCxn id="24" idx="3"/>
-              <a:endCxn id="24" idx="1"/>
-            </p:cNvCxnSpPr>
-            <p:nvPr/>
-          </p:nvCxnSpPr>
-          <p:spPr>
-            <a:xfrm flipH="1">
-              <a:off x="7978142" y="1357247"/>
-              <a:ext cx="909319" cy="0"/>
-            </a:xfrm>
-            <a:prstGeom prst="line">
-              <a:avLst/>
-            </a:prstGeom>
-            <a:ln w="38100">
-              <a:solidFill>
-                <a:srgbClr val="009A2A"/>
-              </a:solidFill>
-            </a:ln>
-          </p:spPr>
-          <p:style>
-            <a:lnRef idx="2">
-              <a:schemeClr val="accent1"/>
-            </a:lnRef>
-            <a:fillRef idx="0">
-              <a:schemeClr val="accent1"/>
-            </a:fillRef>
-            <a:effectRef idx="1">
-              <a:schemeClr val="accent1"/>
-            </a:effectRef>
-            <a:fontRef idx="minor">
-              <a:schemeClr val="tx1"/>
-            </a:fontRef>
-          </p:style>
-        </p:cxnSp>
-        <p:sp>
-          <p:nvSpPr>
-            <p:cNvPr id="27" name="Rectangle 26">
-              <a:extLst>
-                <a:ext uri="{FF2B5EF4-FFF2-40B4-BE49-F238E27FC236}">
-                  <a16:creationId xmlns:a16="http://schemas.microsoft.com/office/drawing/2014/main" id="{5B0A0F09-128D-87AF-45BA-09864C8A9854}"/>
-                </a:ext>
-              </a:extLst>
-            </p:cNvPr>
-            <p:cNvSpPr/>
-            <p:nvPr/>
-          </p:nvSpPr>
-          <p:spPr>
-            <a:xfrm>
-              <a:off x="3535680" y="4590668"/>
-              <a:ext cx="1717040" cy="1706880"/>
-            </a:xfrm>
-            <a:prstGeom prst="rect">
-              <a:avLst/>
-            </a:prstGeom>
-            <a:solidFill>
-              <a:schemeClr val="bg1"/>
-            </a:solidFill>
-            <a:ln>
-              <a:noFill/>
-            </a:ln>
-          </p:spPr>
-          <p:style>
-            <a:lnRef idx="2">
-              <a:schemeClr val="accent1">
-                <a:shade val="15000"/>
-              </a:schemeClr>
-            </a:lnRef>
-            <a:fillRef idx="1">
-              <a:schemeClr val="accent1"/>
-            </a:fillRef>
-            <a:effectRef idx="0">
-              <a:schemeClr val="accent1"/>
-            </a:effectRef>
-            <a:fontRef idx="minor">
-              <a:schemeClr val="lt1"/>
-            </a:fontRef>
-          </p:style>
-          <p:txBody>
-            <a:bodyPr rtlCol="0" anchor="ctr"/>
-            <a:lstStyle/>
-            <a:p>
-              <a:pPr algn="ctr"/>
-              <a:endParaRPr lang="en-ID"/>
-            </a:p>
-          </p:txBody>
-        </p:sp>
-        <p:sp>
-          <p:nvSpPr>
-            <p:cNvPr id="28" name="Rectangle 27">
-              <a:extLst>
-                <a:ext uri="{FF2B5EF4-FFF2-40B4-BE49-F238E27FC236}">
-                  <a16:creationId xmlns:a16="http://schemas.microsoft.com/office/drawing/2014/main" id="{B904D192-2F45-8461-25A3-92BC9A99D6AC}"/>
-                </a:ext>
-              </a:extLst>
-            </p:cNvPr>
-            <p:cNvSpPr/>
-            <p:nvPr/>
-          </p:nvSpPr>
-          <p:spPr>
-            <a:xfrm>
-              <a:off x="3926840" y="4955493"/>
-              <a:ext cx="909319" cy="909319"/>
-            </a:xfrm>
-            <a:prstGeom prst="rect">
-              <a:avLst/>
-            </a:prstGeom>
-            <a:noFill/>
-            <a:ln w="38100">
-              <a:solidFill>
-                <a:srgbClr val="00ACFF"/>
-              </a:solidFill>
-            </a:ln>
-          </p:spPr>
-          <p:style>
-            <a:lnRef idx="2">
-              <a:schemeClr val="accent1">
-                <a:shade val="15000"/>
-              </a:schemeClr>
-            </a:lnRef>
-            <a:fillRef idx="1">
-              <a:schemeClr val="accent1"/>
-            </a:fillRef>
-            <a:effectRef idx="0">
-              <a:schemeClr val="accent1"/>
-            </a:effectRef>
-            <a:fontRef idx="minor">
-              <a:schemeClr val="lt1"/>
-            </a:fontRef>
-          </p:style>
-          <p:txBody>
-            <a:bodyPr rtlCol="0" anchor="ctr"/>
-            <a:lstStyle/>
-            <a:p>
-              <a:pPr algn="ctr"/>
-              <a:endParaRPr lang="en-ID"/>
-            </a:p>
-          </p:txBody>
-        </p:sp>
-        <p:cxnSp>
-          <p:nvCxnSpPr>
-            <p:cNvPr id="29" name="Straight Connector 28">
-              <a:extLst>
-                <a:ext uri="{FF2B5EF4-FFF2-40B4-BE49-F238E27FC236}">
-                  <a16:creationId xmlns:a16="http://schemas.microsoft.com/office/drawing/2014/main" id="{51DD55B7-AD5C-8EA8-8BD2-8F90EE2E0F54}"/>
-                </a:ext>
-              </a:extLst>
-            </p:cNvPr>
-            <p:cNvCxnSpPr>
-              <a:stCxn id="28" idx="0"/>
-              <a:endCxn id="28" idx="2"/>
-            </p:cNvCxnSpPr>
-            <p:nvPr/>
-          </p:nvCxnSpPr>
-          <p:spPr>
-            <a:xfrm>
-              <a:off x="4381500" y="4955493"/>
-              <a:ext cx="0" cy="909319"/>
-            </a:xfrm>
-            <a:prstGeom prst="line">
-              <a:avLst/>
-            </a:prstGeom>
-            <a:ln w="38100">
-              <a:solidFill>
-                <a:srgbClr val="00ACFF"/>
-              </a:solidFill>
-            </a:ln>
-          </p:spPr>
-          <p:style>
-            <a:lnRef idx="2">
-              <a:schemeClr val="accent1"/>
-            </a:lnRef>
-            <a:fillRef idx="0">
-              <a:schemeClr val="accent1"/>
-            </a:fillRef>
-            <a:effectRef idx="1">
-              <a:schemeClr val="accent1"/>
-            </a:effectRef>
-            <a:fontRef idx="minor">
-              <a:schemeClr val="tx1"/>
-            </a:fontRef>
-          </p:style>
-        </p:cxnSp>
-        <p:cxnSp>
-          <p:nvCxnSpPr>
-            <p:cNvPr id="30" name="Straight Connector 29">
-              <a:extLst>
-                <a:ext uri="{FF2B5EF4-FFF2-40B4-BE49-F238E27FC236}">
-                  <a16:creationId xmlns:a16="http://schemas.microsoft.com/office/drawing/2014/main" id="{2A19DFBA-6C0D-8F18-3F9A-9F35A5EC4AC3}"/>
-                </a:ext>
-              </a:extLst>
-            </p:cNvPr>
-            <p:cNvCxnSpPr>
-              <a:cxnSpLocks/>
-              <a:stCxn id="28" idx="3"/>
-              <a:endCxn id="28" idx="1"/>
-            </p:cNvCxnSpPr>
-            <p:nvPr/>
-          </p:nvCxnSpPr>
-          <p:spPr>
-            <a:xfrm flipH="1">
-              <a:off x="3926840" y="5410153"/>
-              <a:ext cx="909319" cy="0"/>
-            </a:xfrm>
-            <a:prstGeom prst="line">
-              <a:avLst/>
-            </a:prstGeom>
-            <a:ln w="38100">
-              <a:solidFill>
-                <a:srgbClr val="00ACFF"/>
-              </a:solidFill>
-            </a:ln>
-          </p:spPr>
-          <p:style>
-            <a:lnRef idx="2">
-              <a:schemeClr val="accent1"/>
-            </a:lnRef>
-            <a:fillRef idx="0">
-              <a:schemeClr val="accent1"/>
-            </a:fillRef>
-            <a:effectRef idx="1">
-              <a:schemeClr val="accent1"/>
-            </a:effectRef>
-            <a:fontRef idx="minor">
-              <a:schemeClr val="tx1"/>
-            </a:fontRef>
-          </p:style>
-        </p:cxnSp>
-        <p:sp>
-          <p:nvSpPr>
-            <p:cNvPr id="31" name="Rectangle 30">
-              <a:extLst>
-                <a:ext uri="{FF2B5EF4-FFF2-40B4-BE49-F238E27FC236}">
-                  <a16:creationId xmlns:a16="http://schemas.microsoft.com/office/drawing/2014/main" id="{D965C956-4017-8F25-A145-CBC592811D26}"/>
-                </a:ext>
-              </a:extLst>
-            </p:cNvPr>
-            <p:cNvSpPr/>
-            <p:nvPr/>
-          </p:nvSpPr>
-          <p:spPr>
-            <a:xfrm>
-              <a:off x="7599682" y="4590668"/>
-              <a:ext cx="1717040" cy="1706880"/>
-            </a:xfrm>
-            <a:prstGeom prst="rect">
-              <a:avLst/>
-            </a:prstGeom>
-            <a:solidFill>
-              <a:schemeClr val="bg1"/>
-            </a:solidFill>
-            <a:ln>
-              <a:noFill/>
-            </a:ln>
-          </p:spPr>
-          <p:style>
-            <a:lnRef idx="2">
-              <a:schemeClr val="accent1">
-                <a:shade val="15000"/>
-              </a:schemeClr>
-            </a:lnRef>
-            <a:fillRef idx="1">
-              <a:schemeClr val="accent1"/>
-            </a:fillRef>
-            <a:effectRef idx="0">
-              <a:schemeClr val="accent1"/>
-            </a:effectRef>
-            <a:fontRef idx="minor">
-              <a:schemeClr val="lt1"/>
-            </a:fontRef>
-          </p:style>
-          <p:txBody>
-            <a:bodyPr rtlCol="0" anchor="ctr"/>
-            <a:lstStyle/>
-            <a:p>
-              <a:pPr algn="ctr"/>
-              <a:endParaRPr lang="en-ID"/>
-            </a:p>
-          </p:txBody>
-        </p:sp>
-        <p:sp>
-          <p:nvSpPr>
-            <p:cNvPr id="32" name="Rectangle 31">
-              <a:extLst>
-                <a:ext uri="{FF2B5EF4-FFF2-40B4-BE49-F238E27FC236}">
-                  <a16:creationId xmlns:a16="http://schemas.microsoft.com/office/drawing/2014/main" id="{85C43103-5C29-E2D5-C481-52880AD8A658}"/>
-                </a:ext>
-              </a:extLst>
-            </p:cNvPr>
-            <p:cNvSpPr/>
-            <p:nvPr/>
-          </p:nvSpPr>
-          <p:spPr>
-            <a:xfrm>
-              <a:off x="7978142" y="4955493"/>
-              <a:ext cx="909319" cy="909319"/>
-            </a:xfrm>
-            <a:prstGeom prst="rect">
-              <a:avLst/>
-            </a:prstGeom>
-            <a:noFill/>
-            <a:ln w="38100">
-              <a:solidFill>
-                <a:srgbClr val="FEE800"/>
-              </a:solidFill>
-            </a:ln>
-          </p:spPr>
-          <p:style>
-            <a:lnRef idx="2">
-              <a:schemeClr val="accent1">
-                <a:shade val="15000"/>
-              </a:schemeClr>
-            </a:lnRef>
-            <a:fillRef idx="1">
-              <a:schemeClr val="accent1"/>
-            </a:fillRef>
-            <a:effectRef idx="0">
-              <a:schemeClr val="accent1"/>
-            </a:effectRef>
-            <a:fontRef idx="minor">
-              <a:schemeClr val="lt1"/>
-            </a:fontRef>
-          </p:style>
-          <p:txBody>
-            <a:bodyPr rtlCol="0" anchor="ctr"/>
-            <a:lstStyle/>
-            <a:p>
-              <a:pPr algn="ctr"/>
-              <a:endParaRPr lang="en-ID"/>
-            </a:p>
-          </p:txBody>
-        </p:sp>
-        <p:cxnSp>
-          <p:nvCxnSpPr>
-            <p:cNvPr id="33" name="Straight Connector 32">
-              <a:extLst>
-                <a:ext uri="{FF2B5EF4-FFF2-40B4-BE49-F238E27FC236}">
-                  <a16:creationId xmlns:a16="http://schemas.microsoft.com/office/drawing/2014/main" id="{23556F79-EC5C-4443-6CA9-CC61C44780E9}"/>
-                </a:ext>
-              </a:extLst>
-            </p:cNvPr>
-            <p:cNvCxnSpPr>
-              <a:stCxn id="32" idx="0"/>
-              <a:endCxn id="32" idx="2"/>
-            </p:cNvCxnSpPr>
-            <p:nvPr/>
-          </p:nvCxnSpPr>
-          <p:spPr>
-            <a:xfrm>
-              <a:off x="8432802" y="4955493"/>
-              <a:ext cx="0" cy="909319"/>
-            </a:xfrm>
-            <a:prstGeom prst="line">
-              <a:avLst/>
-            </a:prstGeom>
-            <a:ln w="38100">
-              <a:solidFill>
-                <a:srgbClr val="FEE800"/>
-              </a:solidFill>
-            </a:ln>
-          </p:spPr>
-          <p:style>
-            <a:lnRef idx="2">
-              <a:schemeClr val="accent1"/>
-            </a:lnRef>
-            <a:fillRef idx="0">
-              <a:schemeClr val="accent1"/>
-            </a:fillRef>
-            <a:effectRef idx="1">
-              <a:schemeClr val="accent1"/>
-            </a:effectRef>
-            <a:fontRef idx="minor">
-              <a:schemeClr val="tx1"/>
-            </a:fontRef>
-          </p:style>
-        </p:cxnSp>
-        <p:cxnSp>
-          <p:nvCxnSpPr>
-            <p:cNvPr id="34" name="Straight Connector 33">
-              <a:extLst>
-                <a:ext uri="{FF2B5EF4-FFF2-40B4-BE49-F238E27FC236}">
-                  <a16:creationId xmlns:a16="http://schemas.microsoft.com/office/drawing/2014/main" id="{54412140-D291-12F3-DE3F-D252A51EC85A}"/>
-                </a:ext>
-              </a:extLst>
-            </p:cNvPr>
-            <p:cNvCxnSpPr>
-              <a:cxnSpLocks/>
-              <a:stCxn id="32" idx="3"/>
-              <a:endCxn id="32" idx="1"/>
-            </p:cNvCxnSpPr>
-            <p:nvPr/>
-          </p:nvCxnSpPr>
-          <p:spPr>
-            <a:xfrm flipH="1">
-              <a:off x="7978142" y="5410153"/>
-              <a:ext cx="909319" cy="0"/>
-            </a:xfrm>
-            <a:prstGeom prst="line">
-              <a:avLst/>
-            </a:prstGeom>
-            <a:ln w="38100">
-              <a:solidFill>
-                <a:srgbClr val="FEE800"/>
-              </a:solidFill>
-            </a:ln>
-          </p:spPr>
-          <p:style>
-            <a:lnRef idx="2">
-              <a:schemeClr val="accent1"/>
-            </a:lnRef>
-            <a:fillRef idx="0">
-              <a:schemeClr val="accent1"/>
-            </a:fillRef>
-            <a:effectRef idx="1">
-              <a:schemeClr val="accent1"/>
-            </a:effectRef>
-            <a:fontRef idx="minor">
-              <a:schemeClr val="tx1"/>
-            </a:fontRef>
-          </p:style>
-        </p:cxnSp>
+              <a:ln w="38100">
+                <a:solidFill>
+                  <a:srgbClr val="FEE800"/>
+                </a:solidFill>
+              </a:ln>
+            </p:spPr>
+            <p:style>
+              <a:lnRef idx="2">
+                <a:schemeClr val="accent1">
+                  <a:shade val="15000"/>
+                </a:schemeClr>
+              </a:lnRef>
+              <a:fillRef idx="1">
+                <a:schemeClr val="accent1"/>
+              </a:fillRef>
+              <a:effectRef idx="0">
+                <a:schemeClr val="accent1"/>
+              </a:effectRef>
+              <a:fontRef idx="minor">
+                <a:schemeClr val="lt1"/>
+              </a:fontRef>
+            </p:style>
+            <p:txBody>
+              <a:bodyPr rtlCol="0" anchor="ctr"/>
+              <a:lstStyle/>
+              <a:p>
+                <a:pPr algn="ctr"/>
+                <a:endParaRPr lang="en-ID"/>
+              </a:p>
+            </p:txBody>
+          </p:sp>
+          <p:cxnSp>
+            <p:nvCxnSpPr>
+              <p:cNvPr id="33" name="Straight Connector 32">
+                <a:extLst>
+                  <a:ext uri="{FF2B5EF4-FFF2-40B4-BE49-F238E27FC236}">
+                    <a16:creationId xmlns:a16="http://schemas.microsoft.com/office/drawing/2014/main" id="{23556F79-EC5C-4443-6CA9-CC61C44780E9}"/>
+                  </a:ext>
+                </a:extLst>
+              </p:cNvPr>
+              <p:cNvCxnSpPr>
+                <a:stCxn id="32" idx="0"/>
+                <a:endCxn id="32" idx="2"/>
+              </p:cNvCxnSpPr>
+              <p:nvPr/>
+            </p:nvCxnSpPr>
+            <p:spPr>
+              <a:xfrm>
+                <a:off x="8432802" y="4955493"/>
+                <a:ext cx="0" cy="909319"/>
+              </a:xfrm>
+              <a:prstGeom prst="line">
+                <a:avLst/>
+              </a:prstGeom>
+              <a:ln w="38100">
+                <a:solidFill>
+                  <a:srgbClr val="FEE800"/>
+                </a:solidFill>
+              </a:ln>
+            </p:spPr>
+            <p:style>
+              <a:lnRef idx="2">
+                <a:schemeClr val="accent1"/>
+              </a:lnRef>
+              <a:fillRef idx="0">
+                <a:schemeClr val="accent1"/>
+              </a:fillRef>
+              <a:effectRef idx="1">
+                <a:schemeClr val="accent1"/>
+              </a:effectRef>
+              <a:fontRef idx="minor">
+                <a:schemeClr val="tx1"/>
+              </a:fontRef>
+            </p:style>
+          </p:cxnSp>
+          <p:cxnSp>
+            <p:nvCxnSpPr>
+              <p:cNvPr id="34" name="Straight Connector 33">
+                <a:extLst>
+                  <a:ext uri="{FF2B5EF4-FFF2-40B4-BE49-F238E27FC236}">
+                    <a16:creationId xmlns:a16="http://schemas.microsoft.com/office/drawing/2014/main" id="{54412140-D291-12F3-DE3F-D252A51EC85A}"/>
+                  </a:ext>
+                </a:extLst>
+              </p:cNvPr>
+              <p:cNvCxnSpPr>
+                <a:cxnSpLocks/>
+                <a:stCxn id="32" idx="3"/>
+                <a:endCxn id="32" idx="1"/>
+              </p:cNvCxnSpPr>
+              <p:nvPr/>
+            </p:nvCxnSpPr>
+            <p:spPr>
+              <a:xfrm flipH="1">
+                <a:off x="7978142" y="5410153"/>
+                <a:ext cx="909319" cy="0"/>
+              </a:xfrm>
+              <a:prstGeom prst="line">
+                <a:avLst/>
+              </a:prstGeom>
+              <a:ln w="38100">
+                <a:solidFill>
+                  <a:srgbClr val="FEE800"/>
+                </a:solidFill>
+              </a:ln>
+            </p:spPr>
+            <p:style>
+              <a:lnRef idx="2">
+                <a:schemeClr val="accent1"/>
+              </a:lnRef>
+              <a:fillRef idx="0">
+                <a:schemeClr val="accent1"/>
+              </a:fillRef>
+              <a:effectRef idx="1">
+                <a:schemeClr val="accent1"/>
+              </a:effectRef>
+              <a:fontRef idx="minor">
+                <a:schemeClr val="tx1"/>
+              </a:fontRef>
+            </p:style>
+          </p:cxnSp>
+        </p:grpSp>
+        <p:sp>
+          <p:nvSpPr>
+            <p:cNvPr id="2" name="TextBox 1">
+              <a:extLst>
+                <a:ext uri="{FF2B5EF4-FFF2-40B4-BE49-F238E27FC236}">
+                  <a16:creationId xmlns:a16="http://schemas.microsoft.com/office/drawing/2014/main" id="{2CE83F77-8B9B-C276-7529-628B28711972}"/>
+                </a:ext>
+              </a:extLst>
+            </p:cNvPr>
+            <p:cNvSpPr txBox="1"/>
+            <p:nvPr/>
+          </p:nvSpPr>
+          <p:spPr>
+            <a:xfrm>
+              <a:off x="3029333" y="6424402"/>
+              <a:ext cx="1158907" cy="369332"/>
+            </a:xfrm>
+            <a:prstGeom prst="rect">
+              <a:avLst/>
+            </a:prstGeom>
+            <a:noFill/>
+          </p:spPr>
+          <p:txBody>
+            <a:bodyPr wrap="none" rtlCol="0">
+              <a:spAutoFit/>
+            </a:bodyPr>
+            <a:lstStyle/>
+            <a:p>
+              <a:r>
+                <a:rPr lang="en-US" b="1">
+                  <a:solidFill>
+                    <a:srgbClr val="002060"/>
+                  </a:solidFill>
+                </a:rPr>
+                <a:t>PLAYER 1</a:t>
+              </a:r>
+              <a:endParaRPr lang="en-ID" b="1">
+                <a:solidFill>
+                  <a:srgbClr val="002060"/>
+                </a:solidFill>
+              </a:endParaRPr>
+            </a:p>
+          </p:txBody>
+        </p:sp>
+        <p:sp>
+          <p:nvSpPr>
+            <p:cNvPr id="3" name="TextBox 2">
+              <a:extLst>
+                <a:ext uri="{FF2B5EF4-FFF2-40B4-BE49-F238E27FC236}">
+                  <a16:creationId xmlns:a16="http://schemas.microsoft.com/office/drawing/2014/main" id="{EBD1FF1F-6EB4-72DF-FE60-C1D1DBE716F8}"/>
+                </a:ext>
+              </a:extLst>
+            </p:cNvPr>
+            <p:cNvSpPr txBox="1"/>
+            <p:nvPr/>
+          </p:nvSpPr>
+          <p:spPr>
+            <a:xfrm>
+              <a:off x="8664160" y="0"/>
+              <a:ext cx="1158907" cy="369332"/>
+            </a:xfrm>
+            <a:prstGeom prst="rect">
+              <a:avLst/>
+            </a:prstGeom>
+            <a:noFill/>
+          </p:spPr>
+          <p:txBody>
+            <a:bodyPr wrap="none" rtlCol="0">
+              <a:spAutoFit/>
+            </a:bodyPr>
+            <a:lstStyle/>
+            <a:p>
+              <a:pPr algn="ctr"/>
+              <a:r>
+                <a:rPr lang="en-US" b="1">
+                  <a:solidFill>
+                    <a:schemeClr val="accent6">
+                      <a:lumMod val="50000"/>
+                    </a:schemeClr>
+                  </a:solidFill>
+                </a:rPr>
+                <a:t>PLAYER 2</a:t>
+              </a:r>
+              <a:endParaRPr lang="en-ID" b="1">
+                <a:solidFill>
+                  <a:schemeClr val="accent6">
+                    <a:lumMod val="50000"/>
+                  </a:schemeClr>
+                </a:solidFill>
+              </a:endParaRPr>
+            </a:p>
+          </p:txBody>
+        </p:sp>
+        <p:sp>
+          <p:nvSpPr>
+            <p:cNvPr id="4" name="TextBox 3">
+              <a:extLst>
+                <a:ext uri="{FF2B5EF4-FFF2-40B4-BE49-F238E27FC236}">
+                  <a16:creationId xmlns:a16="http://schemas.microsoft.com/office/drawing/2014/main" id="{3E321947-FA03-A573-31EB-9E18EA26828B}"/>
+                </a:ext>
+              </a:extLst>
+            </p:cNvPr>
+            <p:cNvSpPr txBox="1"/>
+            <p:nvPr/>
+          </p:nvSpPr>
+          <p:spPr>
+            <a:xfrm>
+              <a:off x="8664159" y="6420137"/>
+              <a:ext cx="1158907" cy="369332"/>
+            </a:xfrm>
+            <a:prstGeom prst="rect">
+              <a:avLst/>
+            </a:prstGeom>
+            <a:noFill/>
+          </p:spPr>
+          <p:txBody>
+            <a:bodyPr wrap="none" rtlCol="0">
+              <a:spAutoFit/>
+            </a:bodyPr>
+            <a:lstStyle/>
+            <a:p>
+              <a:pPr algn="ctr"/>
+              <a:r>
+                <a:rPr lang="en-US" b="1">
+                  <a:solidFill>
+                    <a:schemeClr val="accent2"/>
+                  </a:solidFill>
+                </a:rPr>
+                <a:t>PLAYER 3</a:t>
+              </a:r>
+              <a:endParaRPr lang="en-ID" b="1">
+                <a:solidFill>
+                  <a:schemeClr val="accent2"/>
+                </a:solidFill>
+              </a:endParaRPr>
+            </a:p>
+          </p:txBody>
+        </p:sp>
+        <p:sp>
+          <p:nvSpPr>
+            <p:cNvPr id="7" name="TextBox 6">
+              <a:extLst>
+                <a:ext uri="{FF2B5EF4-FFF2-40B4-BE49-F238E27FC236}">
+                  <a16:creationId xmlns:a16="http://schemas.microsoft.com/office/drawing/2014/main" id="{F752E3FA-0897-A60E-DDFB-8ECA364ADAE4}"/>
+                </a:ext>
+              </a:extLst>
+            </p:cNvPr>
+            <p:cNvSpPr txBox="1"/>
+            <p:nvPr/>
+          </p:nvSpPr>
+          <p:spPr>
+            <a:xfrm>
+              <a:off x="3029332" y="0"/>
+              <a:ext cx="1158907" cy="369332"/>
+            </a:xfrm>
+            <a:prstGeom prst="rect">
+              <a:avLst/>
+            </a:prstGeom>
+            <a:noFill/>
+          </p:spPr>
+          <p:txBody>
+            <a:bodyPr wrap="none" rtlCol="0">
+              <a:spAutoFit/>
+            </a:bodyPr>
+            <a:lstStyle/>
+            <a:p>
+              <a:pPr algn="ctr"/>
+              <a:r>
+                <a:rPr lang="en-US" b="1">
+                  <a:solidFill>
+                    <a:srgbClr val="C00000"/>
+                  </a:solidFill>
+                </a:rPr>
+                <a:t>PLAYER 4</a:t>
+              </a:r>
+              <a:endParaRPr lang="en-ID" b="1">
+                <a:solidFill>
+                  <a:srgbClr val="C00000"/>
+                </a:solidFill>
+              </a:endParaRPr>
+            </a:p>
+          </p:txBody>
+        </p:sp>
       </p:grpSp>
     </p:spTree>
     <p:extLst>
